--- a/230428/井桁発表/HirotoIgeta.pptx
+++ b/230428/井桁発表/HirotoIgeta.pptx
@@ -293,7 +293,7 @@
           <a:p>
             <a:fld id="{4106A5BF-B8C0-2644-8910-17C3AD4AEE4A}" type="datetimeFigureOut">
               <a:rPr kumimoji="1" lang="ja-JP" altLang="en-US" smtClean="0"/>
-              <a:t>2023/4/27</a:t>
+              <a:t>2023/4/28</a:t>
             </a:fld>
             <a:endParaRPr kumimoji="1" lang="ja-JP" altLang="en-US"/>
           </a:p>
@@ -523,7 +523,7 @@
           <a:p>
             <a:fld id="{4106A5BF-B8C0-2644-8910-17C3AD4AEE4A}" type="datetimeFigureOut">
               <a:rPr kumimoji="1" lang="ja-JP" altLang="en-US" smtClean="0"/>
-              <a:t>2023/4/27</a:t>
+              <a:t>2023/4/28</a:t>
             </a:fld>
             <a:endParaRPr kumimoji="1" lang="ja-JP" altLang="en-US"/>
           </a:p>
@@ -763,7 +763,7 @@
           <a:p>
             <a:fld id="{4106A5BF-B8C0-2644-8910-17C3AD4AEE4A}" type="datetimeFigureOut">
               <a:rPr kumimoji="1" lang="ja-JP" altLang="en-US" smtClean="0"/>
-              <a:t>2023/4/27</a:t>
+              <a:t>2023/4/28</a:t>
             </a:fld>
             <a:endParaRPr kumimoji="1" lang="ja-JP" altLang="en-US"/>
           </a:p>
@@ -993,7 +993,7 @@
           <a:p>
             <a:fld id="{4106A5BF-B8C0-2644-8910-17C3AD4AEE4A}" type="datetimeFigureOut">
               <a:rPr kumimoji="1" lang="ja-JP" altLang="en-US" smtClean="0"/>
-              <a:t>2023/4/27</a:t>
+              <a:t>2023/4/28</a:t>
             </a:fld>
             <a:endParaRPr kumimoji="1" lang="ja-JP" altLang="en-US"/>
           </a:p>
@@ -1268,7 +1268,7 @@
           <a:p>
             <a:fld id="{4106A5BF-B8C0-2644-8910-17C3AD4AEE4A}" type="datetimeFigureOut">
               <a:rPr kumimoji="1" lang="ja-JP" altLang="en-US" smtClean="0"/>
-              <a:t>2023/4/27</a:t>
+              <a:t>2023/4/28</a:t>
             </a:fld>
             <a:endParaRPr kumimoji="1" lang="ja-JP" altLang="en-US"/>
           </a:p>
@@ -1597,7 +1597,7 @@
           <a:p>
             <a:fld id="{4106A5BF-B8C0-2644-8910-17C3AD4AEE4A}" type="datetimeFigureOut">
               <a:rPr kumimoji="1" lang="ja-JP" altLang="en-US" smtClean="0"/>
-              <a:t>2023/4/27</a:t>
+              <a:t>2023/4/28</a:t>
             </a:fld>
             <a:endParaRPr kumimoji="1" lang="ja-JP" altLang="en-US"/>
           </a:p>
@@ -2073,7 +2073,7 @@
           <a:p>
             <a:fld id="{4106A5BF-B8C0-2644-8910-17C3AD4AEE4A}" type="datetimeFigureOut">
               <a:rPr kumimoji="1" lang="ja-JP" altLang="en-US" smtClean="0"/>
-              <a:t>2023/4/27</a:t>
+              <a:t>2023/4/28</a:t>
             </a:fld>
             <a:endParaRPr kumimoji="1" lang="ja-JP" altLang="en-US"/>
           </a:p>
@@ -2214,7 +2214,7 @@
           <a:p>
             <a:fld id="{4106A5BF-B8C0-2644-8910-17C3AD4AEE4A}" type="datetimeFigureOut">
               <a:rPr kumimoji="1" lang="ja-JP" altLang="en-US" smtClean="0"/>
-              <a:t>2023/4/27</a:t>
+              <a:t>2023/4/28</a:t>
             </a:fld>
             <a:endParaRPr kumimoji="1" lang="ja-JP" altLang="en-US"/>
           </a:p>
@@ -2327,7 +2327,7 @@
           <a:p>
             <a:fld id="{4106A5BF-B8C0-2644-8910-17C3AD4AEE4A}" type="datetimeFigureOut">
               <a:rPr kumimoji="1" lang="ja-JP" altLang="en-US" smtClean="0"/>
-              <a:t>2023/4/27</a:t>
+              <a:t>2023/4/28</a:t>
             </a:fld>
             <a:endParaRPr kumimoji="1" lang="ja-JP" altLang="en-US"/>
           </a:p>
@@ -2670,7 +2670,7 @@
           <a:p>
             <a:fld id="{4106A5BF-B8C0-2644-8910-17C3AD4AEE4A}" type="datetimeFigureOut">
               <a:rPr kumimoji="1" lang="ja-JP" altLang="en-US" smtClean="0"/>
-              <a:t>2023/4/27</a:t>
+              <a:t>2023/4/28</a:t>
             </a:fld>
             <a:endParaRPr kumimoji="1" lang="ja-JP" altLang="en-US"/>
           </a:p>
@@ -2958,7 +2958,7 @@
           <a:p>
             <a:fld id="{4106A5BF-B8C0-2644-8910-17C3AD4AEE4A}" type="datetimeFigureOut">
               <a:rPr kumimoji="1" lang="ja-JP" altLang="en-US" smtClean="0"/>
-              <a:t>2023/4/27</a:t>
+              <a:t>2023/4/28</a:t>
             </a:fld>
             <a:endParaRPr kumimoji="1" lang="ja-JP" altLang="en-US"/>
           </a:p>
@@ -3231,7 +3231,7 @@
           <a:p>
             <a:fld id="{4106A5BF-B8C0-2644-8910-17C3AD4AEE4A}" type="datetimeFigureOut">
               <a:rPr kumimoji="1" lang="ja-JP" altLang="en-US" smtClean="0"/>
-              <a:t>2023/4/27</a:t>
+              <a:t>2023/4/28</a:t>
             </a:fld>
             <a:endParaRPr kumimoji="1" lang="ja-JP" altLang="en-US"/>
           </a:p>
@@ -4580,7 +4580,7 @@
         <p:spPr>
           <a:xfrm>
             <a:off x="7578514" y="1848074"/>
-            <a:ext cx="646331" cy="369332"/>
+            <a:ext cx="1104790" cy="369332"/>
           </a:xfrm>
           <a:prstGeom prst="rect">
             <a:avLst/>
@@ -4596,6 +4596,10 @@
             <a:r>
               <a:rPr lang="ja-JP" altLang="en-US"/>
               <a:t>配列</a:t>
+            </a:r>
+            <a:r>
+              <a:rPr lang="en-US" altLang="ja-JP" dirty="0"/>
+              <a:t> dist</a:t>
             </a:r>
             <a:endParaRPr kumimoji="1" lang="ja-JP" altLang="en-US"/>
           </a:p>
@@ -7899,7 +7903,7 @@
         <p:spPr>
           <a:xfrm>
             <a:off x="7578514" y="1848074"/>
-            <a:ext cx="646331" cy="369332"/>
+            <a:ext cx="1104790" cy="369332"/>
           </a:xfrm>
           <a:prstGeom prst="rect">
             <a:avLst/>
@@ -7915,6 +7919,10 @@
             <a:r>
               <a:rPr lang="ja-JP" altLang="en-US"/>
               <a:t>配列</a:t>
+            </a:r>
+            <a:r>
+              <a:rPr lang="en-US" altLang="ja-JP" dirty="0"/>
+              <a:t> dist</a:t>
             </a:r>
             <a:endParaRPr kumimoji="1" lang="ja-JP" altLang="en-US"/>
           </a:p>
@@ -11028,7 +11036,7 @@
         <p:spPr>
           <a:xfrm>
             <a:off x="7578514" y="1848074"/>
-            <a:ext cx="646331" cy="369332"/>
+            <a:ext cx="1104790" cy="369332"/>
           </a:xfrm>
           <a:prstGeom prst="rect">
             <a:avLst/>
@@ -11044,6 +11052,10 @@
             <a:r>
               <a:rPr lang="ja-JP" altLang="en-US"/>
               <a:t>配列</a:t>
+            </a:r>
+            <a:r>
+              <a:rPr lang="en-US" altLang="ja-JP" dirty="0"/>
+              <a:t> dist</a:t>
             </a:r>
             <a:endParaRPr kumimoji="1" lang="ja-JP" altLang="en-US"/>
           </a:p>
@@ -13917,7 +13929,7 @@
         <p:spPr>
           <a:xfrm>
             <a:off x="7578514" y="1848074"/>
-            <a:ext cx="646331" cy="369332"/>
+            <a:ext cx="1104790" cy="369332"/>
           </a:xfrm>
           <a:prstGeom prst="rect">
             <a:avLst/>
@@ -13933,6 +13945,10 @@
             <a:r>
               <a:rPr lang="ja-JP" altLang="en-US"/>
               <a:t>配列</a:t>
+            </a:r>
+            <a:r>
+              <a:rPr lang="en-US" altLang="ja-JP" dirty="0"/>
+              <a:t> dist</a:t>
             </a:r>
             <a:endParaRPr kumimoji="1" lang="ja-JP" altLang="en-US"/>
           </a:p>
@@ -17210,7 +17226,7 @@
         <p:spPr>
           <a:xfrm>
             <a:off x="7578514" y="1848074"/>
-            <a:ext cx="646331" cy="369332"/>
+            <a:ext cx="1104790" cy="369332"/>
           </a:xfrm>
           <a:prstGeom prst="rect">
             <a:avLst/>
@@ -17226,6 +17242,10 @@
             <a:r>
               <a:rPr lang="ja-JP" altLang="en-US"/>
               <a:t>配列</a:t>
+            </a:r>
+            <a:r>
+              <a:rPr lang="en-US" altLang="ja-JP" dirty="0"/>
+              <a:t> dist</a:t>
             </a:r>
             <a:endParaRPr kumimoji="1" lang="ja-JP" altLang="en-US"/>
           </a:p>
@@ -20105,7 +20125,7 @@
         <p:spPr>
           <a:xfrm>
             <a:off x="7578514" y="1848074"/>
-            <a:ext cx="646331" cy="369332"/>
+            <a:ext cx="1104790" cy="369332"/>
           </a:xfrm>
           <a:prstGeom prst="rect">
             <a:avLst/>
@@ -20121,6 +20141,10 @@
             <a:r>
               <a:rPr lang="ja-JP" altLang="en-US"/>
               <a:t>配列</a:t>
+            </a:r>
+            <a:r>
+              <a:rPr lang="en-US" altLang="ja-JP" dirty="0"/>
+              <a:t> dist</a:t>
             </a:r>
             <a:endParaRPr kumimoji="1" lang="ja-JP" altLang="en-US"/>
           </a:p>
@@ -56752,7 +56776,7 @@
         <p:spPr>
           <a:xfrm>
             <a:off x="7578514" y="1848074"/>
-            <a:ext cx="646331" cy="369332"/>
+            <a:ext cx="1104790" cy="369332"/>
           </a:xfrm>
           <a:prstGeom prst="rect">
             <a:avLst/>
@@ -56768,6 +56792,10 @@
             <a:r>
               <a:rPr lang="ja-JP" altLang="en-US"/>
               <a:t>配列</a:t>
+            </a:r>
+            <a:r>
+              <a:rPr lang="en-US" altLang="ja-JP" dirty="0"/>
+              <a:t> dist</a:t>
             </a:r>
             <a:endParaRPr kumimoji="1" lang="ja-JP" altLang="en-US"/>
           </a:p>
